--- a/pictures/slideshow.pptx
+++ b/pictures/slideshow.pptx
@@ -247,7 +247,7 @@
           <a:p>
             <a:fld id="{A975C5D9-F5C2-4AE1-903D-DB11ED22EA94}" type="datetimeFigureOut">
               <a:rPr lang="en-US" smtClean="0"/>
-              <a:t>3/7/2023</a:t>
+              <a:t>12/16/2023</a:t>
             </a:fld>
             <a:endParaRPr lang="en-US"/>
           </a:p>
@@ -417,7 +417,7 @@
           <a:p>
             <a:fld id="{A975C5D9-F5C2-4AE1-903D-DB11ED22EA94}" type="datetimeFigureOut">
               <a:rPr lang="en-US" smtClean="0"/>
-              <a:t>3/7/2023</a:t>
+              <a:t>12/16/2023</a:t>
             </a:fld>
             <a:endParaRPr lang="en-US"/>
           </a:p>
@@ -597,7 +597,7 @@
           <a:p>
             <a:fld id="{A975C5D9-F5C2-4AE1-903D-DB11ED22EA94}" type="datetimeFigureOut">
               <a:rPr lang="en-US" smtClean="0"/>
-              <a:t>3/7/2023</a:t>
+              <a:t>12/16/2023</a:t>
             </a:fld>
             <a:endParaRPr lang="en-US"/>
           </a:p>
@@ -767,7 +767,7 @@
           <a:p>
             <a:fld id="{A975C5D9-F5C2-4AE1-903D-DB11ED22EA94}" type="datetimeFigureOut">
               <a:rPr lang="en-US" smtClean="0"/>
-              <a:t>3/7/2023</a:t>
+              <a:t>12/16/2023</a:t>
             </a:fld>
             <a:endParaRPr lang="en-US"/>
           </a:p>
@@ -1013,7 +1013,7 @@
           <a:p>
             <a:fld id="{A975C5D9-F5C2-4AE1-903D-DB11ED22EA94}" type="datetimeFigureOut">
               <a:rPr lang="en-US" smtClean="0"/>
-              <a:t>3/7/2023</a:t>
+              <a:t>12/16/2023</a:t>
             </a:fld>
             <a:endParaRPr lang="en-US"/>
           </a:p>
@@ -1245,7 +1245,7 @@
           <a:p>
             <a:fld id="{A975C5D9-F5C2-4AE1-903D-DB11ED22EA94}" type="datetimeFigureOut">
               <a:rPr lang="en-US" smtClean="0"/>
-              <a:t>3/7/2023</a:t>
+              <a:t>12/16/2023</a:t>
             </a:fld>
             <a:endParaRPr lang="en-US"/>
           </a:p>
@@ -1612,7 +1612,7 @@
           <a:p>
             <a:fld id="{A975C5D9-F5C2-4AE1-903D-DB11ED22EA94}" type="datetimeFigureOut">
               <a:rPr lang="en-US" smtClean="0"/>
-              <a:t>3/7/2023</a:t>
+              <a:t>12/16/2023</a:t>
             </a:fld>
             <a:endParaRPr lang="en-US"/>
           </a:p>
@@ -1730,7 +1730,7 @@
           <a:p>
             <a:fld id="{A975C5D9-F5C2-4AE1-903D-DB11ED22EA94}" type="datetimeFigureOut">
               <a:rPr lang="en-US" smtClean="0"/>
-              <a:t>3/7/2023</a:t>
+              <a:t>12/16/2023</a:t>
             </a:fld>
             <a:endParaRPr lang="en-US"/>
           </a:p>
@@ -1825,7 +1825,7 @@
           <a:p>
             <a:fld id="{A975C5D9-F5C2-4AE1-903D-DB11ED22EA94}" type="datetimeFigureOut">
               <a:rPr lang="en-US" smtClean="0"/>
-              <a:t>3/7/2023</a:t>
+              <a:t>12/16/2023</a:t>
             </a:fld>
             <a:endParaRPr lang="en-US"/>
           </a:p>
@@ -2102,7 +2102,7 @@
           <a:p>
             <a:fld id="{A975C5D9-F5C2-4AE1-903D-DB11ED22EA94}" type="datetimeFigureOut">
               <a:rPr lang="en-US" smtClean="0"/>
-              <a:t>3/7/2023</a:t>
+              <a:t>12/16/2023</a:t>
             </a:fld>
             <a:endParaRPr lang="en-US"/>
           </a:p>
@@ -2359,7 +2359,7 @@
           <a:p>
             <a:fld id="{A975C5D9-F5C2-4AE1-903D-DB11ED22EA94}" type="datetimeFigureOut">
               <a:rPr lang="en-US" smtClean="0"/>
-              <a:t>3/7/2023</a:t>
+              <a:t>12/16/2023</a:t>
             </a:fld>
             <a:endParaRPr lang="en-US"/>
           </a:p>
@@ -2575,7 +2575,7 @@
           <a:p>
             <a:fld id="{A975C5D9-F5C2-4AE1-903D-DB11ED22EA94}" type="datetimeFigureOut">
               <a:rPr lang="en-US" smtClean="0"/>
-              <a:t>3/7/2023</a:t>
+              <a:t>12/16/2023</a:t>
             </a:fld>
             <a:endParaRPr lang="en-US"/>
           </a:p>
@@ -3340,14 +3340,16 @@
               <p:nvPr/>
             </p:nvSpPr>
             <p:spPr>
-              <a:xfrm rot="21344759">
+              <a:xfrm>
                 <a:off x="17550806" y="1240039"/>
                 <a:ext cx="9490543" cy="2323328"/>
               </a:xfrm>
               <a:prstGeom prst="rect">
                 <a:avLst/>
               </a:prstGeom>
-              <a:noFill/>
+              <a:solidFill>
+                <a:schemeClr val="bg1"/>
+              </a:solidFill>
             </p:spPr>
             <p:txBody>
               <a:bodyPr wrap="square" rtlCol="0">
@@ -3533,7 +3535,7 @@
               <p:nvPr/>
             </p:nvSpPr>
             <p:spPr>
-              <a:xfrm rot="21344759">
+              <a:xfrm>
                 <a:off x="17550806" y="1240039"/>
                 <a:ext cx="9490543" cy="2323328"/>
               </a:xfrm>
